--- a/Case-presentation-1.pptx
+++ b/Case-presentation-1.pptx
@@ -4782,6 +4782,18 @@
               </a:rPr>
               <a:t>https://leemeng.tw/attack_on_bert_transfer_learning_in_nlp.html</a:t>
             </a:r>
+            <a:endParaRPr lang="en-US" altLang="zh-TW" dirty="0"/>
+          </a:p>
+          <a:p>
+            <a:r>
+              <a:rPr lang="en-US" altLang="zh-TW" dirty="0">
+                <a:hlinkClick r:id="rId4"/>
+              </a:rPr>
+              <a:t>https://github.com/Voltage-x/case-presentation-1</a:t>
+            </a:r>
+            <a:endParaRPr lang="en-US" altLang="zh-TW" dirty="0"/>
+          </a:p>
+          <a:p>
             <a:endParaRPr lang="en-US" altLang="zh-TW" dirty="0"/>
           </a:p>
           <a:p>
